--- a/Libro de Estilos/Know About It.pptx
+++ b/Libro de Estilos/Know About It.pptx
@@ -178,7 +178,6 @@
               <a:rPr lang="es-ES"/>
               <a:t>Haga clic para modificar el estilo de título del patrón</a:t>
             </a:r>
-            <a:endParaRPr lang="es-ES"/>
           </a:p>
         </p:txBody>
       </p:sp>
@@ -243,7 +242,6 @@
               <a:rPr lang="es-ES"/>
               <a:t>Haga clic para editar el estilo de subtítulo del patrón</a:t>
             </a:r>
-            <a:endParaRPr lang="es-ES"/>
           </a:p>
         </p:txBody>
       </p:sp>
@@ -264,7 +262,7 @@
           <a:p>
             <a:fld id="{081EF4C6-429A-4EA5-87EE-B7B586BDAA4E}" type="datetimeFigureOut">
               <a:rPr lang="es-ES" smtClean="0"/>
-              <a:t>21/03/2017</a:t>
+              <a:t>22/03/2017</a:t>
             </a:fld>
             <a:endParaRPr lang="es-ES"/>
           </a:p>
@@ -361,7 +359,6 @@
               <a:rPr lang="es-ES"/>
               <a:t>Haga clic para modificar el estilo de título del patrón</a:t>
             </a:r>
-            <a:endParaRPr lang="es-ES"/>
           </a:p>
         </p:txBody>
       </p:sp>
@@ -413,7 +410,6 @@
               <a:rPr lang="es-ES"/>
               <a:t>Quinto nivel</a:t>
             </a:r>
-            <a:endParaRPr lang="es-ES"/>
           </a:p>
         </p:txBody>
       </p:sp>
@@ -434,7 +430,7 @@
           <a:p>
             <a:fld id="{081EF4C6-429A-4EA5-87EE-B7B586BDAA4E}" type="datetimeFigureOut">
               <a:rPr lang="es-ES" smtClean="0"/>
-              <a:t>21/03/2017</a:t>
+              <a:t>22/03/2017</a:t>
             </a:fld>
             <a:endParaRPr lang="es-ES"/>
           </a:p>
@@ -536,7 +532,6 @@
               <a:rPr lang="es-ES"/>
               <a:t>Haga clic para modificar el estilo de título del patrón</a:t>
             </a:r>
-            <a:endParaRPr lang="es-ES"/>
           </a:p>
         </p:txBody>
       </p:sp>
@@ -593,7 +588,6 @@
               <a:rPr lang="es-ES"/>
               <a:t>Quinto nivel</a:t>
             </a:r>
-            <a:endParaRPr lang="es-ES"/>
           </a:p>
         </p:txBody>
       </p:sp>
@@ -614,7 +608,7 @@
           <a:p>
             <a:fld id="{081EF4C6-429A-4EA5-87EE-B7B586BDAA4E}" type="datetimeFigureOut">
               <a:rPr lang="es-ES" smtClean="0"/>
-              <a:t>21/03/2017</a:t>
+              <a:t>22/03/2017</a:t>
             </a:fld>
             <a:endParaRPr lang="es-ES"/>
           </a:p>
@@ -711,7 +705,6 @@
               <a:rPr lang="es-ES"/>
               <a:t>Haga clic para modificar el estilo de título del patrón</a:t>
             </a:r>
-            <a:endParaRPr lang="es-ES"/>
           </a:p>
         </p:txBody>
       </p:sp>
@@ -763,7 +756,6 @@
               <a:rPr lang="es-ES"/>
               <a:t>Quinto nivel</a:t>
             </a:r>
-            <a:endParaRPr lang="es-ES"/>
           </a:p>
         </p:txBody>
       </p:sp>
@@ -784,7 +776,7 @@
           <a:p>
             <a:fld id="{081EF4C6-429A-4EA5-87EE-B7B586BDAA4E}" type="datetimeFigureOut">
               <a:rPr lang="es-ES" smtClean="0"/>
-              <a:t>21/03/2017</a:t>
+              <a:t>22/03/2017</a:t>
             </a:fld>
             <a:endParaRPr lang="es-ES"/>
           </a:p>
@@ -890,7 +882,6 @@
               <a:rPr lang="es-ES"/>
               <a:t>Haga clic para modificar el estilo de título del patrón</a:t>
             </a:r>
-            <a:endParaRPr lang="es-ES"/>
           </a:p>
         </p:txBody>
       </p:sp>
@@ -1030,7 +1021,7 @@
           <a:p>
             <a:fld id="{081EF4C6-429A-4EA5-87EE-B7B586BDAA4E}" type="datetimeFigureOut">
               <a:rPr lang="es-ES" smtClean="0"/>
-              <a:t>21/03/2017</a:t>
+              <a:t>22/03/2017</a:t>
             </a:fld>
             <a:endParaRPr lang="es-ES"/>
           </a:p>
@@ -1127,7 +1118,6 @@
               <a:rPr lang="es-ES"/>
               <a:t>Haga clic para modificar el estilo de título del patrón</a:t>
             </a:r>
-            <a:endParaRPr lang="es-ES"/>
           </a:p>
         </p:txBody>
       </p:sp>
@@ -1184,7 +1174,6 @@
               <a:rPr lang="es-ES"/>
               <a:t>Quinto nivel</a:t>
             </a:r>
-            <a:endParaRPr lang="es-ES"/>
           </a:p>
         </p:txBody>
       </p:sp>
@@ -1241,7 +1230,6 @@
               <a:rPr lang="es-ES"/>
               <a:t>Quinto nivel</a:t>
             </a:r>
-            <a:endParaRPr lang="es-ES"/>
           </a:p>
         </p:txBody>
       </p:sp>
@@ -1262,7 +1250,7 @@
           <a:p>
             <a:fld id="{081EF4C6-429A-4EA5-87EE-B7B586BDAA4E}" type="datetimeFigureOut">
               <a:rPr lang="es-ES" smtClean="0"/>
-              <a:t>21/03/2017</a:t>
+              <a:t>22/03/2017</a:t>
             </a:fld>
             <a:endParaRPr lang="es-ES"/>
           </a:p>
@@ -1364,7 +1352,6 @@
               <a:rPr lang="es-ES"/>
               <a:t>Haga clic para modificar el estilo de título del patrón</a:t>
             </a:r>
-            <a:endParaRPr lang="es-ES"/>
           </a:p>
         </p:txBody>
       </p:sp>
@@ -1486,7 +1473,6 @@
               <a:rPr lang="es-ES"/>
               <a:t>Quinto nivel</a:t>
             </a:r>
-            <a:endParaRPr lang="es-ES"/>
           </a:p>
         </p:txBody>
       </p:sp>
@@ -1608,7 +1594,6 @@
               <a:rPr lang="es-ES"/>
               <a:t>Quinto nivel</a:t>
             </a:r>
-            <a:endParaRPr lang="es-ES"/>
           </a:p>
         </p:txBody>
       </p:sp>
@@ -1629,7 +1614,7 @@
           <a:p>
             <a:fld id="{081EF4C6-429A-4EA5-87EE-B7B586BDAA4E}" type="datetimeFigureOut">
               <a:rPr lang="es-ES" smtClean="0"/>
-              <a:t>21/03/2017</a:t>
+              <a:t>22/03/2017</a:t>
             </a:fld>
             <a:endParaRPr lang="es-ES"/>
           </a:p>
@@ -1726,7 +1711,6 @@
               <a:rPr lang="es-ES"/>
               <a:t>Haga clic para modificar el estilo de título del patrón</a:t>
             </a:r>
-            <a:endParaRPr lang="es-ES"/>
           </a:p>
         </p:txBody>
       </p:sp>
@@ -1747,7 +1731,7 @@
           <a:p>
             <a:fld id="{081EF4C6-429A-4EA5-87EE-B7B586BDAA4E}" type="datetimeFigureOut">
               <a:rPr lang="es-ES" smtClean="0"/>
-              <a:t>21/03/2017</a:t>
+              <a:t>22/03/2017</a:t>
             </a:fld>
             <a:endParaRPr lang="es-ES"/>
           </a:p>
@@ -1842,7 +1826,7 @@
           <a:p>
             <a:fld id="{081EF4C6-429A-4EA5-87EE-B7B586BDAA4E}" type="datetimeFigureOut">
               <a:rPr lang="es-ES" smtClean="0"/>
-              <a:t>21/03/2017</a:t>
+              <a:t>22/03/2017</a:t>
             </a:fld>
             <a:endParaRPr lang="es-ES"/>
           </a:p>
@@ -1948,7 +1932,6 @@
               <a:rPr lang="es-ES"/>
               <a:t>Haga clic para modificar el estilo de título del patrón</a:t>
             </a:r>
-            <a:endParaRPr lang="es-ES"/>
           </a:p>
         </p:txBody>
       </p:sp>
@@ -2033,7 +2016,6 @@
               <a:rPr lang="es-ES"/>
               <a:t>Quinto nivel</a:t>
             </a:r>
-            <a:endParaRPr lang="es-ES"/>
           </a:p>
         </p:txBody>
       </p:sp>
@@ -2119,7 +2101,7 @@
           <a:p>
             <a:fld id="{081EF4C6-429A-4EA5-87EE-B7B586BDAA4E}" type="datetimeFigureOut">
               <a:rPr lang="es-ES" smtClean="0"/>
-              <a:t>21/03/2017</a:t>
+              <a:t>22/03/2017</a:t>
             </a:fld>
             <a:endParaRPr lang="es-ES"/>
           </a:p>
@@ -2225,7 +2207,6 @@
               <a:rPr lang="es-ES"/>
               <a:t>Haga clic para modificar el estilo de título del patrón</a:t>
             </a:r>
-            <a:endParaRPr lang="es-ES"/>
           </a:p>
         </p:txBody>
       </p:sp>
@@ -2372,7 +2353,7 @@
           <a:p>
             <a:fld id="{081EF4C6-429A-4EA5-87EE-B7B586BDAA4E}" type="datetimeFigureOut">
               <a:rPr lang="es-ES" smtClean="0"/>
-              <a:t>21/03/2017</a:t>
+              <a:t>22/03/2017</a:t>
             </a:fld>
             <a:endParaRPr lang="es-ES"/>
           </a:p>
@@ -2484,7 +2465,6 @@
               <a:rPr lang="es-ES"/>
               <a:t>Haga clic para modificar el estilo de título del patrón</a:t>
             </a:r>
-            <a:endParaRPr lang="es-ES"/>
           </a:p>
         </p:txBody>
       </p:sp>
@@ -2546,7 +2526,6 @@
               <a:rPr lang="es-ES"/>
               <a:t>Quinto nivel</a:t>
             </a:r>
-            <a:endParaRPr lang="es-ES"/>
           </a:p>
         </p:txBody>
       </p:sp>
@@ -2585,7 +2564,7 @@
           <a:p>
             <a:fld id="{081EF4C6-429A-4EA5-87EE-B7B586BDAA4E}" type="datetimeFigureOut">
               <a:rPr lang="es-ES" smtClean="0"/>
-              <a:t>21/03/2017</a:t>
+              <a:t>22/03/2017</a:t>
             </a:fld>
             <a:endParaRPr lang="es-ES"/>
           </a:p>
@@ -5475,13 +5454,7 @@
               <a:rPr lang="es-ES" sz="3600" dirty="0">
                 <a:latin typeface="+mn-lt"/>
               </a:rPr>
-              <a:t>Utiliza siempre para títulos y para nuestra marca la letra </a:t>
-            </a:r>
-            <a:r>
-              <a:rPr lang="es-ES" sz="3600" dirty="0">
-                <a:latin typeface="+mn-lt"/>
-              </a:rPr>
-              <a:t>HARLOW SOLID ITALIC</a:t>
+              <a:t>Utiliza siempre para títulos y para nuestra marca la letra HARLOW SOLID ITALIC</a:t>
             </a:r>
           </a:p>
           <a:p>
@@ -8142,13 +8115,7 @@
               <a:rPr lang="es-ES" sz="4000" dirty="0">
                 <a:latin typeface="+mn-lt"/>
               </a:rPr>
-              <a:t>Nuestro color principal es un color que inspira paz y tranquilidad , </a:t>
-            </a:r>
-            <a:r>
-              <a:rPr lang="es-ES" sz="4000" dirty="0">
-                <a:latin typeface="+mn-lt"/>
-              </a:rPr>
-              <a:t>el azul es el color de lo divino y se asocia a éste con el cielo. Debido a este detalle, también se le asocia con lo grande y eterno , y como queremos que puedas informarte de todos tus gustos a todas horas , hemos elegido este precioso tono de </a:t>
+              <a:t>Nuestro color principal es un color que inspira paz y tranquilidad , el azul es el color de lo divino y se asocia a éste con el cielo. Debido a este detalle, también se le asocia con lo grande y eterno , y como queremos que puedas informarte de todos tus gustos a todas horas , hemos elegido este precioso tono de </a:t>
             </a:r>
             <a:r>
               <a:rPr lang="es-ES" sz="4000" dirty="0">
@@ -8159,12 +8126,6 @@
               </a:rPr>
               <a:t>azul aguamarina</a:t>
             </a:r>
-            <a:endParaRPr lang="es-ES" sz="4000" dirty="0">
-              <a:solidFill>
-                <a:srgbClr val="00B0F0"/>
-              </a:solidFill>
-              <a:latin typeface="+mn-lt"/>
-            </a:endParaRPr>
           </a:p>
         </p:txBody>
       </p:sp>
@@ -8198,11 +8159,6 @@
               </a:rPr>
               <a:t>Color exacto: #14cccb</a:t>
             </a:r>
-            <a:endParaRPr lang="es-ES" sz="3600" dirty="0">
-              <a:solidFill>
-                <a:srgbClr val="00B0F0"/>
-              </a:solidFill>
-            </a:endParaRPr>
           </a:p>
         </p:txBody>
       </p:sp>
@@ -9510,21 +9466,8 @@
                   <a:srgbClr val="FDE06B"/>
                 </a:solidFill>
               </a:rPr>
-              <a:t>Color exacto: #</a:t>
+              <a:t>Color exacto: #fde06c</a:t>
             </a:r>
-            <a:r>
-              <a:rPr lang="es-ES" sz="3600" dirty="0">
-                <a:solidFill>
-                  <a:srgbClr val="FDE06B"/>
-                </a:solidFill>
-              </a:rPr>
-              <a:t>fde06c</a:t>
-            </a:r>
-            <a:endParaRPr lang="es-ES" sz="3600" dirty="0">
-              <a:solidFill>
-                <a:srgbClr val="FDE06B"/>
-              </a:solidFill>
-            </a:endParaRPr>
           </a:p>
         </p:txBody>
       </p:sp>
@@ -10741,11 +10684,6 @@
               </a:rPr>
               <a:t>Color exacto : #fc06ae</a:t>
             </a:r>
-            <a:endParaRPr lang="es-ES" sz="3600" dirty="0">
-              <a:solidFill>
-                <a:srgbClr val="FC09B0"/>
-              </a:solidFill>
-            </a:endParaRPr>
           </a:p>
         </p:txBody>
       </p:sp>
@@ -13064,52 +13002,6 @@
       </p:cxnSp>
       <p:pic>
         <p:nvPicPr>
-          <p:cNvPr id="3" name="Imagen 2"/>
-          <p:cNvPicPr>
-            <a:picLocks noChangeAspect="1"/>
-          </p:cNvPicPr>
-          <p:nvPr/>
-        </p:nvPicPr>
-        <p:blipFill rotWithShape="1">
-          <a:blip r:embed="rId3"/>
-          <a:srcRect l="19473" t="58102" r="77674" b="37328"/>
-          <a:stretch/>
-        </p:blipFill>
-        <p:spPr>
-          <a:xfrm>
-            <a:off x="473644" y="4918498"/>
-            <a:ext cx="1204817" cy="1084804"/>
-          </a:xfrm>
-          <a:prstGeom prst="rect">
-            <a:avLst/>
-          </a:prstGeom>
-        </p:spPr>
-      </p:pic>
-      <p:pic>
-        <p:nvPicPr>
-          <p:cNvPr id="29" name="Imagen 28"/>
-          <p:cNvPicPr>
-            <a:picLocks noChangeAspect="1"/>
-          </p:cNvPicPr>
-          <p:nvPr/>
-        </p:nvPicPr>
-        <p:blipFill rotWithShape="1">
-          <a:blip r:embed="rId3"/>
-          <a:srcRect l="13440" t="57984" r="84148" b="37226"/>
-          <a:stretch/>
-        </p:blipFill>
-        <p:spPr>
-          <a:xfrm>
-            <a:off x="1756059" y="4918877"/>
-            <a:ext cx="1018372" cy="1136801"/>
-          </a:xfrm>
-          <a:prstGeom prst="rect">
-            <a:avLst/>
-          </a:prstGeom>
-        </p:spPr>
-      </p:pic>
-      <p:pic>
-        <p:nvPicPr>
           <p:cNvPr id="30" name="Imagen 29"/>
           <p:cNvPicPr>
             <a:picLocks noChangeAspect="1"/>
@@ -13180,104 +13072,148 @@
           </a:prstGeom>
         </p:spPr>
       </p:pic>
-      <p:sp>
-        <p:nvSpPr>
-          <p:cNvPr id="7" name="Cara sonriente 6"/>
-          <p:cNvSpPr/>
-          <p:nvPr/>
-        </p:nvSpPr>
-        <p:spPr>
+      <p:pic>
+        <p:nvPicPr>
+          <p:cNvPr id="2050" name="Picture 2" descr="Resultado de imagen de emoji triste"/>
+          <p:cNvPicPr>
+            <a:picLocks noChangeAspect="1" noChangeArrowheads="1"/>
+          </p:cNvPicPr>
+          <p:nvPr/>
+        </p:nvPicPr>
+        <p:blipFill>
+          <a:blip r:embed="rId3" cstate="print">
+            <a:extLst>
+              <a:ext uri="{28A0092B-C50C-407E-A947-70E740481C1C}">
+                <a14:useLocalDpi xmlns:a14="http://schemas.microsoft.com/office/drawing/2010/main" val="0"/>
+              </a:ext>
+            </a:extLst>
+          </a:blip>
+          <a:srcRect/>
+          <a:stretch>
+            <a:fillRect/>
+          </a:stretch>
+        </p:blipFill>
+        <p:spPr bwMode="auto">
           <a:xfrm>
-            <a:off x="1145491" y="3674144"/>
-            <a:ext cx="1248621" cy="1183004"/>
-          </a:xfrm>
-          <a:prstGeom prst="smileyFace">
-            <a:avLst/>
-          </a:prstGeom>
-          <a:solidFill>
-            <a:srgbClr val="FFFF00"/>
-          </a:solidFill>
-          <a:ln>
-            <a:solidFill>
-              <a:schemeClr val="tx1"/>
-            </a:solidFill>
-          </a:ln>
-        </p:spPr>
-        <p:style>
-          <a:lnRef idx="2">
-            <a:schemeClr val="accent1">
-              <a:shade val="50000"/>
-            </a:schemeClr>
-          </a:lnRef>
-          <a:fillRef idx="1">
-            <a:schemeClr val="accent1"/>
-          </a:fillRef>
-          <a:effectRef idx="0">
-            <a:schemeClr val="accent1"/>
-          </a:effectRef>
-          <a:fontRef idx="minor">
-            <a:schemeClr val="lt1"/>
-          </a:fontRef>
-        </p:style>
-        <p:txBody>
-          <a:bodyPr rtlCol="0" anchor="ctr"/>
-          <a:lstStyle/>
-          <a:p>
-            <a:pPr algn="ctr"/>
-            <a:endParaRPr lang="es-ES"/>
-          </a:p>
-        </p:txBody>
-      </p:sp>
-      <p:sp>
-        <p:nvSpPr>
-          <p:cNvPr id="34" name="Cara sonriente 33"/>
-          <p:cNvSpPr/>
-          <p:nvPr/>
-        </p:nvSpPr>
+            <a:off x="5530362" y="3761839"/>
+            <a:ext cx="960120" cy="1028700"/>
+          </a:xfrm>
+          <a:prstGeom prst="rect">
+            <a:avLst/>
+          </a:prstGeom>
+          <a:noFill/>
+          <a:extLst>
+            <a:ext uri="{909E8E84-426E-40DD-AFC4-6F175D3DCCD1}">
+              <a14:hiddenFill xmlns:a14="http://schemas.microsoft.com/office/drawing/2010/main">
+                <a:solidFill>
+                  <a:srgbClr val="FFFFFF"/>
+                </a:solidFill>
+              </a14:hiddenFill>
+            </a:ext>
+          </a:extLst>
+        </p:spPr>
+      </p:pic>
+      <p:pic>
+        <p:nvPicPr>
+          <p:cNvPr id="6" name="Imagen 5"/>
+          <p:cNvPicPr>
+            <a:picLocks noChangeAspect="1"/>
+          </p:cNvPicPr>
+          <p:nvPr/>
+        </p:nvPicPr>
+        <p:blipFill>
+          <a:blip r:embed="rId4">
+            <a:extLst>
+              <a:ext uri="{28A0092B-C50C-407E-A947-70E740481C1C}">
+                <a14:useLocalDpi xmlns:a14="http://schemas.microsoft.com/office/drawing/2010/main" val="0"/>
+              </a:ext>
+            </a:extLst>
+          </a:blip>
+          <a:stretch>
+            <a:fillRect/>
+          </a:stretch>
+        </p:blipFill>
         <p:spPr>
           <a:xfrm>
-            <a:off x="5305450" y="3693642"/>
-            <a:ext cx="1248621" cy="1183004"/>
-          </a:xfrm>
-          <a:prstGeom prst="smileyFace">
-            <a:avLst>
-              <a:gd name="adj" fmla="val -4653"/>
-            </a:avLst>
-          </a:prstGeom>
-          <a:solidFill>
-            <a:srgbClr val="FFFF00"/>
-          </a:solidFill>
-          <a:ln>
-            <a:solidFill>
-              <a:schemeClr val="tx1"/>
-            </a:solidFill>
-          </a:ln>
-        </p:spPr>
-        <p:style>
-          <a:lnRef idx="2">
-            <a:schemeClr val="accent1">
-              <a:shade val="50000"/>
-            </a:schemeClr>
-          </a:lnRef>
-          <a:fillRef idx="1">
-            <a:schemeClr val="accent1"/>
-          </a:fillRef>
-          <a:effectRef idx="0">
-            <a:schemeClr val="accent1"/>
-          </a:effectRef>
-          <a:fontRef idx="minor">
-            <a:schemeClr val="lt1"/>
-          </a:fontRef>
-        </p:style>
-        <p:txBody>
-          <a:bodyPr rtlCol="0" anchor="ctr"/>
-          <a:lstStyle/>
-          <a:p>
-            <a:pPr algn="ctr"/>
-            <a:endParaRPr lang="es-ES"/>
-          </a:p>
-        </p:txBody>
-      </p:sp>
+            <a:off x="1789442" y="5116689"/>
+            <a:ext cx="933136" cy="886479"/>
+          </a:xfrm>
+          <a:prstGeom prst="rect">
+            <a:avLst/>
+          </a:prstGeom>
+        </p:spPr>
+      </p:pic>
+      <p:pic>
+        <p:nvPicPr>
+          <p:cNvPr id="9" name="Imagen 8"/>
+          <p:cNvPicPr>
+            <a:picLocks noChangeAspect="1"/>
+          </p:cNvPicPr>
+          <p:nvPr/>
+        </p:nvPicPr>
+        <p:blipFill>
+          <a:blip r:embed="rId5">
+            <a:extLst>
+              <a:ext uri="{28A0092B-C50C-407E-A947-70E740481C1C}">
+                <a14:useLocalDpi xmlns:a14="http://schemas.microsoft.com/office/drawing/2010/main" val="0"/>
+              </a:ext>
+            </a:extLst>
+          </a:blip>
+          <a:stretch>
+            <a:fillRect/>
+          </a:stretch>
+        </p:blipFill>
+        <p:spPr>
+          <a:xfrm>
+            <a:off x="830380" y="5000072"/>
+            <a:ext cx="848082" cy="805678"/>
+          </a:xfrm>
+          <a:prstGeom prst="rect">
+            <a:avLst/>
+          </a:prstGeom>
+        </p:spPr>
+      </p:pic>
+      <p:pic>
+        <p:nvPicPr>
+          <p:cNvPr id="2052" name="Picture 4" descr="Resultado de imagen de emoji feliz"/>
+          <p:cNvPicPr>
+            <a:picLocks noChangeAspect="1" noChangeArrowheads="1"/>
+          </p:cNvPicPr>
+          <p:nvPr/>
+        </p:nvPicPr>
+        <p:blipFill>
+          <a:blip r:embed="rId6" cstate="print">
+            <a:extLst>
+              <a:ext uri="{28A0092B-C50C-407E-A947-70E740481C1C}">
+                <a14:useLocalDpi xmlns:a14="http://schemas.microsoft.com/office/drawing/2010/main" val="0"/>
+              </a:ext>
+            </a:extLst>
+          </a:blip>
+          <a:srcRect/>
+          <a:stretch>
+            <a:fillRect/>
+          </a:stretch>
+        </p:blipFill>
+        <p:spPr bwMode="auto">
+          <a:xfrm>
+            <a:off x="1143000" y="3761838"/>
+            <a:ext cx="1412776" cy="1186511"/>
+          </a:xfrm>
+          <a:prstGeom prst="rect">
+            <a:avLst/>
+          </a:prstGeom>
+          <a:noFill/>
+          <a:extLst>
+            <a:ext uri="{909E8E84-426E-40DD-AFC4-6F175D3DCCD1}">
+              <a14:hiddenFill xmlns:a14="http://schemas.microsoft.com/office/drawing/2010/main">
+                <a:solidFill>
+                  <a:srgbClr val="FFFFFF"/>
+                </a:solidFill>
+              </a14:hiddenFill>
+            </a:ext>
+          </a:extLst>
+        </p:spPr>
+      </p:pic>
     </p:spTree>
     <p:extLst>
       <p:ext uri="{BB962C8B-B14F-4D97-AF65-F5344CB8AC3E}">
@@ -14536,102 +14472,164 @@
       </p:pic>
       <p:sp>
         <p:nvSpPr>
-          <p:cNvPr id="3" name="Corazón 2"/>
-          <p:cNvSpPr/>
+          <p:cNvPr id="7" name="AutoShape 2" descr="Resultado de imagen de corazon"/>
+          <p:cNvSpPr>
+            <a:spLocks noChangeAspect="1" noChangeArrowheads="1"/>
+          </p:cNvSpPr>
           <p:nvPr/>
         </p:nvSpPr>
-        <p:spPr>
+        <p:spPr bwMode="auto">
           <a:xfrm>
-            <a:off x="1996780" y="5081545"/>
-            <a:ext cx="558996" cy="528091"/>
-          </a:xfrm>
-          <a:prstGeom prst="heart">
-            <a:avLst/>
-          </a:prstGeom>
-          <a:solidFill>
-            <a:srgbClr val="FF0000"/>
-          </a:solidFill>
-          <a:ln>
-            <a:solidFill>
-              <a:schemeClr val="tx1"/>
-            </a:solidFill>
-          </a:ln>
-        </p:spPr>
-        <p:style>
-          <a:lnRef idx="2">
-            <a:schemeClr val="accent1">
-              <a:shade val="50000"/>
-            </a:schemeClr>
-          </a:lnRef>
-          <a:fillRef idx="1">
-            <a:schemeClr val="accent1"/>
-          </a:fillRef>
-          <a:effectRef idx="0">
-            <a:schemeClr val="accent1"/>
-          </a:effectRef>
-          <a:fontRef idx="minor">
-            <a:schemeClr val="lt1"/>
-          </a:fontRef>
-        </p:style>
+            <a:off x="2195736" y="3276600"/>
+            <a:ext cx="2528664" cy="2528664"/>
+          </a:xfrm>
+          <a:prstGeom prst="rect">
+            <a:avLst/>
+          </a:prstGeom>
+          <a:noFill/>
+          <a:extLst>
+            <a:ext uri="{909E8E84-426E-40DD-AFC4-6F175D3DCCD1}">
+              <a14:hiddenFill xmlns:a14="http://schemas.microsoft.com/office/drawing/2010/main">
+                <a:solidFill>
+                  <a:srgbClr val="FFFFFF"/>
+                </a:solidFill>
+              </a14:hiddenFill>
+            </a:ext>
+          </a:extLst>
+        </p:spPr>
         <p:txBody>
-          <a:bodyPr rtlCol="0" anchor="ctr"/>
+          <a:bodyPr vert="horz" wrap="square" lIns="91440" tIns="45720" rIns="91440" bIns="45720" numCol="1" anchor="t" anchorCtr="0" compatLnSpc="1">
+            <a:prstTxWarp prst="textNoShape">
+              <a:avLst/>
+            </a:prstTxWarp>
+          </a:bodyPr>
           <a:lstStyle/>
           <a:p>
-            <a:pPr algn="ctr"/>
             <a:endParaRPr lang="es-ES"/>
           </a:p>
         </p:txBody>
       </p:sp>
+      <p:pic>
+        <p:nvPicPr>
+          <p:cNvPr id="1028" name="Picture 4" descr="Resultado de imagen de corazon"/>
+          <p:cNvPicPr>
+            <a:picLocks noChangeAspect="1" noChangeArrowheads="1"/>
+          </p:cNvPicPr>
+          <p:nvPr/>
+        </p:nvPicPr>
+        <p:blipFill>
+          <a:blip r:embed="rId3" cstate="print">
+            <a:extLst>
+              <a:ext uri="{28A0092B-C50C-407E-A947-70E740481C1C}">
+                <a14:useLocalDpi xmlns:a14="http://schemas.microsoft.com/office/drawing/2010/main" val="0"/>
+              </a:ext>
+            </a:extLst>
+          </a:blip>
+          <a:srcRect/>
+          <a:stretch>
+            <a:fillRect/>
+          </a:stretch>
+        </p:blipFill>
+        <p:spPr bwMode="auto">
+          <a:xfrm>
+            <a:off x="1823622" y="4941168"/>
+            <a:ext cx="787152" cy="753329"/>
+          </a:xfrm>
+          <a:prstGeom prst="rect">
+            <a:avLst/>
+          </a:prstGeom>
+          <a:noFill/>
+          <a:extLst>
+            <a:ext uri="{909E8E84-426E-40DD-AFC4-6F175D3DCCD1}">
+              <a14:hiddenFill xmlns:a14="http://schemas.microsoft.com/office/drawing/2010/main">
+                <a:solidFill>
+                  <a:srgbClr val="FFFFFF"/>
+                </a:solidFill>
+              </a14:hiddenFill>
+            </a:ext>
+          </a:extLst>
+        </p:spPr>
+      </p:pic>
       <p:sp>
         <p:nvSpPr>
-          <p:cNvPr id="4" name="Cara sonriente 3"/>
-          <p:cNvSpPr/>
+          <p:cNvPr id="8" name="AutoShape 6" descr="Resultado de imagen de emoji triste"/>
+          <p:cNvSpPr>
+            <a:spLocks noChangeAspect="1" noChangeArrowheads="1"/>
+          </p:cNvSpPr>
           <p:nvPr/>
         </p:nvSpPr>
-        <p:spPr>
+        <p:spPr bwMode="auto">
           <a:xfrm>
-            <a:off x="5004706" y="5109778"/>
-            <a:ext cx="526876" cy="526876"/>
-          </a:xfrm>
-          <a:prstGeom prst="smileyFace">
-            <a:avLst>
-              <a:gd name="adj" fmla="val -4653"/>
-            </a:avLst>
-          </a:prstGeom>
-          <a:solidFill>
-            <a:srgbClr val="FFFF00"/>
-          </a:solidFill>
-          <a:ln>
-            <a:solidFill>
-              <a:schemeClr val="tx1"/>
-            </a:solidFill>
-          </a:ln>
-        </p:spPr>
-        <p:style>
-          <a:lnRef idx="2">
-            <a:schemeClr val="accent1">
-              <a:shade val="50000"/>
-            </a:schemeClr>
-          </a:lnRef>
-          <a:fillRef idx="1">
-            <a:schemeClr val="accent1"/>
-          </a:fillRef>
-          <a:effectRef idx="0">
-            <a:schemeClr val="accent1"/>
-          </a:effectRef>
-          <a:fontRef idx="minor">
-            <a:schemeClr val="lt1"/>
-          </a:fontRef>
-        </p:style>
+            <a:off x="4419600" y="3512076"/>
+            <a:ext cx="69323" cy="69323"/>
+          </a:xfrm>
+          <a:prstGeom prst="rect">
+            <a:avLst/>
+          </a:prstGeom>
+          <a:noFill/>
+          <a:extLst>
+            <a:ext uri="{909E8E84-426E-40DD-AFC4-6F175D3DCCD1}">
+              <a14:hiddenFill xmlns:a14="http://schemas.microsoft.com/office/drawing/2010/main">
+                <a:solidFill>
+                  <a:srgbClr val="FFFFFF"/>
+                </a:solidFill>
+              </a14:hiddenFill>
+            </a:ext>
+          </a:extLst>
+        </p:spPr>
         <p:txBody>
-          <a:bodyPr rtlCol="0" anchor="ctr"/>
+          <a:bodyPr vert="horz" wrap="square" lIns="91440" tIns="45720" rIns="91440" bIns="45720" numCol="1" anchor="t" anchorCtr="0" compatLnSpc="1">
+            <a:prstTxWarp prst="textNoShape">
+              <a:avLst/>
+            </a:prstTxWarp>
+          </a:bodyPr>
           <a:lstStyle/>
           <a:p>
-            <a:pPr algn="ctr"/>
             <a:endParaRPr lang="es-ES"/>
           </a:p>
         </p:txBody>
       </p:sp>
+      <p:pic>
+        <p:nvPicPr>
+          <p:cNvPr id="1032" name="Picture 8" descr="Resultado de imagen de emoji triste"/>
+          <p:cNvPicPr>
+            <a:picLocks noChangeAspect="1" noChangeArrowheads="1"/>
+          </p:cNvPicPr>
+          <p:nvPr/>
+        </p:nvPicPr>
+        <p:blipFill>
+          <a:blip r:embed="rId4" cstate="print">
+            <a:extLst>
+              <a:ext uri="{28A0092B-C50C-407E-A947-70E740481C1C}">
+                <a14:useLocalDpi xmlns:a14="http://schemas.microsoft.com/office/drawing/2010/main" val="0"/>
+              </a:ext>
+            </a:extLst>
+          </a:blip>
+          <a:srcRect/>
+          <a:stretch>
+            <a:fillRect/>
+          </a:stretch>
+        </p:blipFill>
+        <p:spPr bwMode="auto">
+          <a:xfrm>
+            <a:off x="4830735" y="4830706"/>
+            <a:ext cx="888195" cy="1018175"/>
+          </a:xfrm>
+          <a:prstGeom prst="rect">
+            <a:avLst/>
+          </a:prstGeom>
+          <a:noFill/>
+          <a:extLst>
+            <a:ext uri="{909E8E84-426E-40DD-AFC4-6F175D3DCCD1}">
+              <a14:hiddenFill xmlns:a14="http://schemas.microsoft.com/office/drawing/2010/main">
+                <a:solidFill>
+                  <a:srgbClr val="FFFFFF"/>
+                </a:solidFill>
+              </a14:hiddenFill>
+            </a:ext>
+          </a:extLst>
+        </p:spPr>
+      </p:pic>
     </p:spTree>
     <p:extLst>
       <p:ext uri="{BB962C8B-B14F-4D97-AF65-F5344CB8AC3E}">
@@ -17290,6 +17288,88 @@
           </a:p>
         </p:txBody>
       </p:sp>
+      <p:pic>
+        <p:nvPicPr>
+          <p:cNvPr id="3074" name="Picture 2" descr="Resultado de imagen de emoji feliz"/>
+          <p:cNvPicPr>
+            <a:picLocks noChangeAspect="1" noChangeArrowheads="1"/>
+          </p:cNvPicPr>
+          <p:nvPr/>
+        </p:nvPicPr>
+        <p:blipFill>
+          <a:blip r:embed="rId5" cstate="print">
+            <a:extLst>
+              <a:ext uri="{28A0092B-C50C-407E-A947-70E740481C1C}">
+                <a14:useLocalDpi xmlns:a14="http://schemas.microsoft.com/office/drawing/2010/main" val="0"/>
+              </a:ext>
+            </a:extLst>
+          </a:blip>
+          <a:srcRect/>
+          <a:stretch>
+            <a:fillRect/>
+          </a:stretch>
+        </p:blipFill>
+        <p:spPr bwMode="auto">
+          <a:xfrm>
+            <a:off x="3031499" y="4167041"/>
+            <a:ext cx="1382713" cy="1161263"/>
+          </a:xfrm>
+          <a:prstGeom prst="rect">
+            <a:avLst/>
+          </a:prstGeom>
+          <a:noFill/>
+          <a:extLst>
+            <a:ext uri="{909E8E84-426E-40DD-AFC4-6F175D3DCCD1}">
+              <a14:hiddenFill xmlns:a14="http://schemas.microsoft.com/office/drawing/2010/main">
+                <a:solidFill>
+                  <a:srgbClr val="FFFFFF"/>
+                </a:solidFill>
+              </a14:hiddenFill>
+            </a:ext>
+          </a:extLst>
+        </p:spPr>
+      </p:pic>
+      <p:pic>
+        <p:nvPicPr>
+          <p:cNvPr id="34" name="Picture 8" descr="Resultado de imagen de emoji triste"/>
+          <p:cNvPicPr>
+            <a:picLocks noChangeAspect="1" noChangeArrowheads="1"/>
+          </p:cNvPicPr>
+          <p:nvPr/>
+        </p:nvPicPr>
+        <p:blipFill>
+          <a:blip r:embed="rId6" cstate="print">
+            <a:extLst>
+              <a:ext uri="{28A0092B-C50C-407E-A947-70E740481C1C}">
+                <a14:useLocalDpi xmlns:a14="http://schemas.microsoft.com/office/drawing/2010/main" val="0"/>
+              </a:ext>
+            </a:extLst>
+          </a:blip>
+          <a:srcRect/>
+          <a:stretch>
+            <a:fillRect/>
+          </a:stretch>
+        </p:blipFill>
+        <p:spPr bwMode="auto">
+          <a:xfrm>
+            <a:off x="6228632" y="4106276"/>
+            <a:ext cx="1083142" cy="1241651"/>
+          </a:xfrm>
+          <a:prstGeom prst="rect">
+            <a:avLst/>
+          </a:prstGeom>
+          <a:noFill/>
+          <a:extLst>
+            <a:ext uri="{909E8E84-426E-40DD-AFC4-6F175D3DCCD1}">
+              <a14:hiddenFill xmlns:a14="http://schemas.microsoft.com/office/drawing/2010/main">
+                <a:solidFill>
+                  <a:srgbClr val="FFFFFF"/>
+                </a:solidFill>
+              </a14:hiddenFill>
+            </a:ext>
+          </a:extLst>
+        </p:spPr>
+      </p:pic>
     </p:spTree>
     <p:extLst>
       <p:ext uri="{BB962C8B-B14F-4D97-AF65-F5344CB8AC3E}">
